--- a/Group 10 Sprint_1.pptx
+++ b/Group 10 Sprint_1.pptx
@@ -10,10 +10,11 @@
     <p:sldId id="259" r:id="rId4"/>
     <p:sldId id="258" r:id="rId5"/>
     <p:sldId id="260" r:id="rId6"/>
-    <p:sldId id="261" r:id="rId7"/>
-    <p:sldId id="262" r:id="rId8"/>
-    <p:sldId id="263" r:id="rId9"/>
-    <p:sldId id="264" r:id="rId10"/>
+    <p:sldId id="265" r:id="rId7"/>
+    <p:sldId id="261" r:id="rId8"/>
+    <p:sldId id="262" r:id="rId9"/>
+    <p:sldId id="263" r:id="rId10"/>
+    <p:sldId id="264" r:id="rId11"/>
   </p:sldIdLst>
   <p:sldSz cx="12192000" cy="6858000"/>
   <p:notesSz cx="6858000" cy="9144000"/>
@@ -112,6 +113,11 @@
       </a:defRPr>
     </a:lvl9pPr>
   </p:defaultTextStyle>
+  <p:extLst>
+    <p:ext uri="{EFAFB233-063F-42B5-8137-9DF3F51BA10A}">
+      <p15:sldGuideLst xmlns:p15="http://schemas.microsoft.com/office/powerpoint/2012/main"/>
+    </p:ext>
+  </p:extLst>
 </p:presentation>
 </file>
 
@@ -1327,7 +1333,7 @@
             <a:fld id="{9334D819-9F07-4261-B09B-9E467E5D9002}" type="datetimeFigureOut">
               <a:rPr lang="en-US" dirty="0"/>
               <a:pPr/>
-              <a:t>11/5/2018</a:t>
+              <a:t>11/9/2018</a:t>
             </a:fld>
             <a:endParaRPr lang="en-US" dirty="0"/>
           </a:p>
@@ -1561,7 +1567,7 @@
           <a:p>
             <a:fld id="{9334D819-9F07-4261-B09B-9E467E5D9002}" type="datetimeFigureOut">
               <a:rPr lang="en-US" dirty="0"/>
-              <a:t>11/5/2018</a:t>
+              <a:t>11/9/2018</a:t>
             </a:fld>
             <a:endParaRPr lang="en-US" dirty="0"/>
           </a:p>
@@ -1736,7 +1742,7 @@
           <a:p>
             <a:fld id="{9334D819-9F07-4261-B09B-9E467E5D9002}" type="datetimeFigureOut">
               <a:rPr lang="en-US" dirty="0"/>
-              <a:t>11/5/2018</a:t>
+              <a:t>11/9/2018</a:t>
             </a:fld>
             <a:endParaRPr lang="en-US" dirty="0"/>
           </a:p>
@@ -1901,7 +1907,7 @@
           <a:p>
             <a:fld id="{9334D819-9F07-4261-B09B-9E467E5D9002}" type="datetimeFigureOut">
               <a:rPr lang="en-US" dirty="0"/>
-              <a:t>11/5/2018</a:t>
+              <a:t>11/9/2018</a:t>
             </a:fld>
             <a:endParaRPr lang="en-US" dirty="0"/>
           </a:p>
@@ -2170,7 +2176,7 @@
             <a:fld id="{9334D819-9F07-4261-B09B-9E467E5D9002}" type="datetimeFigureOut">
               <a:rPr lang="en-US" dirty="0"/>
               <a:pPr/>
-              <a:t>11/5/2018</a:t>
+              <a:t>11/9/2018</a:t>
             </a:fld>
             <a:endParaRPr lang="en-US" dirty="0"/>
           </a:p>
@@ -3367,7 +3373,7 @@
           <a:p>
             <a:fld id="{9334D819-9F07-4261-B09B-9E467E5D9002}" type="datetimeFigureOut">
               <a:rPr lang="en-US" dirty="0"/>
-              <a:t>11/5/2018</a:t>
+              <a:t>11/9/2018</a:t>
             </a:fld>
             <a:endParaRPr lang="en-US" dirty="0"/>
           </a:p>
@@ -3752,7 +3758,7 @@
           <a:p>
             <a:fld id="{9334D819-9F07-4261-B09B-9E467E5D9002}" type="datetimeFigureOut">
               <a:rPr lang="en-US" dirty="0"/>
-              <a:t>11/5/2018</a:t>
+              <a:t>11/9/2018</a:t>
             </a:fld>
             <a:endParaRPr lang="en-US" dirty="0"/>
           </a:p>
@@ -3870,7 +3876,7 @@
           <a:p>
             <a:fld id="{9334D819-9F07-4261-B09B-9E467E5D9002}" type="datetimeFigureOut">
               <a:rPr lang="en-US" dirty="0"/>
-              <a:t>11/5/2018</a:t>
+              <a:t>11/9/2018</a:t>
             </a:fld>
             <a:endParaRPr lang="en-US" dirty="0"/>
           </a:p>
@@ -3960,7 +3966,7 @@
           <a:p>
             <a:fld id="{9334D819-9F07-4261-B09B-9E467E5D9002}" type="datetimeFigureOut">
               <a:rPr lang="en-US" dirty="0"/>
-              <a:t>11/5/2018</a:t>
+              <a:t>11/9/2018</a:t>
             </a:fld>
             <a:endParaRPr lang="en-US" dirty="0"/>
           </a:p>
@@ -4718,7 +4724,7 @@
           <a:p>
             <a:fld id="{9334D819-9F07-4261-B09B-9E467E5D9002}" type="datetimeFigureOut">
               <a:rPr lang="en-US" dirty="0"/>
-              <a:t>11/5/2018</a:t>
+              <a:t>11/9/2018</a:t>
             </a:fld>
             <a:endParaRPr lang="en-US" dirty="0"/>
           </a:p>
@@ -5553,7 +5559,7 @@
           <a:p>
             <a:fld id="{9334D819-9F07-4261-B09B-9E467E5D9002}" type="datetimeFigureOut">
               <a:rPr lang="en-US" dirty="0"/>
-              <a:t>11/5/2018</a:t>
+              <a:t>11/9/2018</a:t>
             </a:fld>
             <a:endParaRPr lang="en-US" dirty="0"/>
           </a:p>
@@ -5776,7 +5782,7 @@
             <a:fld id="{9334D819-9F07-4261-B09B-9E467E5D9002}" type="datetimeFigureOut">
               <a:rPr lang="en-US" dirty="0"/>
               <a:pPr/>
-              <a:t>11/5/2018</a:t>
+              <a:t>11/9/2018</a:t>
             </a:fld>
             <a:endParaRPr lang="en-US" dirty="0"/>
           </a:p>
@@ -6837,6 +6843,85 @@
 </p:sld>
 </file>
 
+<file path=ppt/slides/slide10.xml><?xml version="1.0" encoding="utf-8"?>
+<p:sld xmlns:a="http://schemas.openxmlformats.org/drawingml/2006/main" xmlns:r="http://schemas.openxmlformats.org/officeDocument/2006/relationships" xmlns:p="http://schemas.openxmlformats.org/presentationml/2006/main">
+  <p:cSld>
+    <p:spTree>
+      <p:nvGrpSpPr>
+        <p:cNvPr id="1" name=""/>
+        <p:cNvGrpSpPr/>
+        <p:nvPr/>
+      </p:nvGrpSpPr>
+      <p:grpSpPr>
+        <a:xfrm>
+          <a:off x="0" y="0"/>
+          <a:ext cx="0" cy="0"/>
+          <a:chOff x="0" y="0"/>
+          <a:chExt cx="0" cy="0"/>
+        </a:xfrm>
+      </p:grpSpPr>
+      <p:sp>
+        <p:nvSpPr>
+          <p:cNvPr id="2" name="Title 1"/>
+          <p:cNvSpPr>
+            <a:spLocks noGrp="1"/>
+          </p:cNvSpPr>
+          <p:nvPr>
+            <p:ph type="title"/>
+          </p:nvPr>
+        </p:nvSpPr>
+        <p:spPr/>
+        <p:txBody>
+          <a:bodyPr/>
+          <a:lstStyle/>
+          <a:p>
+            <a:r>
+              <a:rPr lang="en-GB" dirty="0" smtClean="0"/>
+              <a:t>Initial code</a:t>
+            </a:r>
+            <a:endParaRPr lang="en-GB" dirty="0"/>
+          </a:p>
+        </p:txBody>
+      </p:sp>
+      <p:sp>
+        <p:nvSpPr>
+          <p:cNvPr id="3" name="Content Placeholder 2"/>
+          <p:cNvSpPr>
+            <a:spLocks noGrp="1"/>
+          </p:cNvSpPr>
+          <p:nvPr>
+            <p:ph idx="1"/>
+          </p:nvPr>
+        </p:nvSpPr>
+        <p:spPr/>
+        <p:txBody>
+          <a:bodyPr/>
+          <a:lstStyle/>
+          <a:p>
+            <a:pPr marL="0" indent="0">
+              <a:buNone/>
+            </a:pPr>
+            <a:r>
+              <a:rPr lang="en-GB" dirty="0" smtClean="0"/>
+              <a:t>(Show initial code here)</a:t>
+            </a:r>
+            <a:endParaRPr lang="en-GB" dirty="0"/>
+          </a:p>
+        </p:txBody>
+      </p:sp>
+    </p:spTree>
+    <p:extLst>
+      <p:ext uri="{BB962C8B-B14F-4D97-AF65-F5344CB8AC3E}">
+        <p14:creationId xmlns:p14="http://schemas.microsoft.com/office/powerpoint/2010/main" val="4218146255"/>
+      </p:ext>
+    </p:extLst>
+  </p:cSld>
+  <p:clrMapOvr>
+    <a:masterClrMapping/>
+  </p:clrMapOvr>
+</p:sld>
+</file>
+
 <file path=ppt/slides/slide2.xml><?xml version="1.0" encoding="utf-8"?>
 <p:sld xmlns:a="http://schemas.openxmlformats.org/drawingml/2006/main" xmlns:r="http://schemas.openxmlformats.org/officeDocument/2006/relationships" xmlns:p="http://schemas.openxmlformats.org/presentationml/2006/main">
   <p:cSld>
@@ -7237,7 +7322,83 @@
           <a:p>
             <a:r>
               <a:rPr lang="en-GB" dirty="0" smtClean="0"/>
-              <a:t>UML Design</a:t>
+              <a:t>Use Case Diagram</a:t>
+            </a:r>
+            <a:endParaRPr lang="en-GB" dirty="0"/>
+          </a:p>
+        </p:txBody>
+      </p:sp>
+      <p:pic>
+        <p:nvPicPr>
+          <p:cNvPr id="4" name="Picture 3"/>
+          <p:cNvPicPr>
+            <a:picLocks noChangeAspect="1"/>
+          </p:cNvPicPr>
+          <p:nvPr/>
+        </p:nvPicPr>
+        <p:blipFill rotWithShape="1">
+          <a:blip r:embed="rId2"/>
+          <a:srcRect l="22150" t="22401" r="22043" b="10502"/>
+          <a:stretch/>
+        </p:blipFill>
+        <p:spPr>
+          <a:xfrm>
+            <a:off x="2369127" y="1239855"/>
+            <a:ext cx="7533931" cy="5095203"/>
+          </a:xfrm>
+          <a:prstGeom prst="rect">
+            <a:avLst/>
+          </a:prstGeom>
+        </p:spPr>
+      </p:pic>
+    </p:spTree>
+    <p:extLst>
+      <p:ext uri="{BB962C8B-B14F-4D97-AF65-F5344CB8AC3E}">
+        <p14:creationId xmlns:p14="http://schemas.microsoft.com/office/powerpoint/2010/main" val="3524316981"/>
+      </p:ext>
+    </p:extLst>
+  </p:cSld>
+  <p:clrMapOvr>
+    <a:masterClrMapping/>
+  </p:clrMapOvr>
+</p:sld>
+</file>
+
+<file path=ppt/slides/slide7.xml><?xml version="1.0" encoding="utf-8"?>
+<p:sld xmlns:a="http://schemas.openxmlformats.org/drawingml/2006/main" xmlns:r="http://schemas.openxmlformats.org/officeDocument/2006/relationships" xmlns:p="http://schemas.openxmlformats.org/presentationml/2006/main">
+  <p:cSld>
+    <p:spTree>
+      <p:nvGrpSpPr>
+        <p:cNvPr id="1" name=""/>
+        <p:cNvGrpSpPr/>
+        <p:nvPr/>
+      </p:nvGrpSpPr>
+      <p:grpSpPr>
+        <a:xfrm>
+          <a:off x="0" y="0"/>
+          <a:ext cx="0" cy="0"/>
+          <a:chOff x="0" y="0"/>
+          <a:chExt cx="0" cy="0"/>
+        </a:xfrm>
+      </p:grpSpPr>
+      <p:sp>
+        <p:nvSpPr>
+          <p:cNvPr id="2" name="Title 1"/>
+          <p:cNvSpPr>
+            <a:spLocks noGrp="1"/>
+          </p:cNvSpPr>
+          <p:nvPr>
+            <p:ph type="title"/>
+          </p:nvPr>
+        </p:nvSpPr>
+        <p:spPr/>
+        <p:txBody>
+          <a:bodyPr/>
+          <a:lstStyle/>
+          <a:p>
+            <a:r>
+              <a:rPr lang="en-GB" dirty="0" smtClean="0"/>
+              <a:t>Class Diagram</a:t>
             </a:r>
             <a:endParaRPr lang="en-GB" dirty="0"/>
           </a:p>
@@ -7279,82 +7440,6 @@
 </p:sld>
 </file>
 
-<file path=ppt/slides/slide7.xml><?xml version="1.0" encoding="utf-8"?>
-<p:sld xmlns:a="http://schemas.openxmlformats.org/drawingml/2006/main" xmlns:r="http://schemas.openxmlformats.org/officeDocument/2006/relationships" xmlns:p="http://schemas.openxmlformats.org/presentationml/2006/main">
-  <p:cSld>
-    <p:spTree>
-      <p:nvGrpSpPr>
-        <p:cNvPr id="1" name=""/>
-        <p:cNvGrpSpPr/>
-        <p:nvPr/>
-      </p:nvGrpSpPr>
-      <p:grpSpPr>
-        <a:xfrm>
-          <a:off x="0" y="0"/>
-          <a:ext cx="0" cy="0"/>
-          <a:chOff x="0" y="0"/>
-          <a:chExt cx="0" cy="0"/>
-        </a:xfrm>
-      </p:grpSpPr>
-      <p:sp>
-        <p:nvSpPr>
-          <p:cNvPr id="2" name="Title 1"/>
-          <p:cNvSpPr>
-            <a:spLocks noGrp="1"/>
-          </p:cNvSpPr>
-          <p:nvPr>
-            <p:ph type="title"/>
-          </p:nvPr>
-        </p:nvSpPr>
-        <p:spPr/>
-        <p:txBody>
-          <a:bodyPr/>
-          <a:lstStyle/>
-          <a:p>
-            <a:r>
-              <a:rPr lang="en-GB" dirty="0" smtClean="0"/>
-              <a:t>Database Connectivity</a:t>
-            </a:r>
-            <a:endParaRPr lang="en-GB" dirty="0"/>
-          </a:p>
-        </p:txBody>
-      </p:sp>
-      <p:sp>
-        <p:nvSpPr>
-          <p:cNvPr id="3" name="Content Placeholder 2"/>
-          <p:cNvSpPr>
-            <a:spLocks noGrp="1"/>
-          </p:cNvSpPr>
-          <p:nvPr>
-            <p:ph idx="1"/>
-          </p:nvPr>
-        </p:nvSpPr>
-        <p:spPr/>
-        <p:txBody>
-          <a:bodyPr/>
-          <a:lstStyle/>
-          <a:p>
-            <a:r>
-              <a:rPr lang="en-GB" dirty="0" smtClean="0"/>
-              <a:t>(Insert a copy image of the database connectivity here)</a:t>
-            </a:r>
-            <a:endParaRPr lang="en-GB" dirty="0"/>
-          </a:p>
-        </p:txBody>
-      </p:sp>
-    </p:spTree>
-    <p:extLst>
-      <p:ext uri="{BB962C8B-B14F-4D97-AF65-F5344CB8AC3E}">
-        <p14:creationId xmlns:p14="http://schemas.microsoft.com/office/powerpoint/2010/main" val="66132710"/>
-      </p:ext>
-    </p:extLst>
-  </p:cSld>
-  <p:clrMapOvr>
-    <a:masterClrMapping/>
-  </p:clrMapOvr>
-</p:sld>
-</file>
-
 <file path=ppt/slides/slide8.xml><?xml version="1.0" encoding="utf-8"?>
 <p:sld xmlns:a="http://schemas.openxmlformats.org/drawingml/2006/main" xmlns:r="http://schemas.openxmlformats.org/officeDocument/2006/relationships" xmlns:p="http://schemas.openxmlformats.org/presentationml/2006/main">
   <p:cSld>
@@ -7389,7 +7474,7 @@
           <a:p>
             <a:r>
               <a:rPr lang="en-GB" dirty="0" smtClean="0"/>
-              <a:t>Login Design and Permission</a:t>
+              <a:t>Database Connectivity</a:t>
             </a:r>
             <a:endParaRPr lang="en-GB" dirty="0"/>
           </a:p>
@@ -7410,12 +7495,9 @@
           <a:bodyPr/>
           <a:lstStyle/>
           <a:p>
-            <a:pPr marL="0" indent="0">
-              <a:buNone/>
-            </a:pPr>
             <a:r>
               <a:rPr lang="en-GB" dirty="0" smtClean="0"/>
-              <a:t>(Explain what we’ve done and how)?</a:t>
+              <a:t>(Insert a copy image of the database connectivity here)</a:t>
             </a:r>
             <a:endParaRPr lang="en-GB" dirty="0"/>
           </a:p>
@@ -7424,7 +7506,7 @@
     </p:spTree>
     <p:extLst>
       <p:ext uri="{BB962C8B-B14F-4D97-AF65-F5344CB8AC3E}">
-        <p14:creationId xmlns:p14="http://schemas.microsoft.com/office/powerpoint/2010/main" val="167057180"/>
+        <p14:creationId xmlns:p14="http://schemas.microsoft.com/office/powerpoint/2010/main" val="66132710"/>
       </p:ext>
     </p:extLst>
   </p:cSld>
@@ -7468,7 +7550,7 @@
           <a:p>
             <a:r>
               <a:rPr lang="en-GB" dirty="0" smtClean="0"/>
-              <a:t>Initial code</a:t>
+              <a:t>Login Design and Permission</a:t>
             </a:r>
             <a:endParaRPr lang="en-GB" dirty="0"/>
           </a:p>
@@ -7494,7 +7576,7 @@
             </a:pPr>
             <a:r>
               <a:rPr lang="en-GB" dirty="0" smtClean="0"/>
-              <a:t>(Show initial code here)</a:t>
+              <a:t>(Explain what we’ve done and how)?</a:t>
             </a:r>
             <a:endParaRPr lang="en-GB" dirty="0"/>
           </a:p>
@@ -7503,7 +7585,7 @@
     </p:spTree>
     <p:extLst>
       <p:ext uri="{BB962C8B-B14F-4D97-AF65-F5344CB8AC3E}">
-        <p14:creationId xmlns:p14="http://schemas.microsoft.com/office/powerpoint/2010/main" val="4218146255"/>
+        <p14:creationId xmlns:p14="http://schemas.microsoft.com/office/powerpoint/2010/main" val="167057180"/>
       </p:ext>
     </p:extLst>
   </p:cSld>

--- a/Group 10 Sprint_1.pptx
+++ b/Group 10 Sprint_1.pptx
@@ -321,6 +321,11 @@
       </a:defRPr>
     </a:lvl9pPr>
   </p:defaultTextStyle>
+  <p:extLst>
+    <p:ext uri="{EFAFB233-063F-42B5-8137-9DF3F51BA10A}">
+      <p15:sldGuideLst xmlns:p15="http://schemas.microsoft.com/office/powerpoint/2012/main"/>
+    </p:ext>
+  </p:extLst>
 </p:presentation>
 </file>
 
@@ -5847,7 +5852,7 @@
           </a:ln>
           <a:extLst>
             <a:ext uri="{C572A759-6A51-4108-AA02-DFA0A04FC94B}">
-              <ma14:wrappingTextBoxFlag xmlns:ma14="http://schemas.microsoft.com/office/mac/drawingml/2011/main" xmlns:a14="http://schemas.microsoft.com/office/drawing/2010/main" xmlns:m="http://schemas.openxmlformats.org/officeDocument/2006/math" xmlns="" val="1"/>
+              <ma14:wrappingTextBoxFlag xmlns="" xmlns:m="http://schemas.openxmlformats.org/officeDocument/2006/math" xmlns:a14="http://schemas.microsoft.com/office/drawing/2010/main" xmlns:ma14="http://schemas.microsoft.com/office/mac/drawingml/2011/main" val="1"/>
             </a:ext>
           </a:extLst>
         </p:spPr>
@@ -5886,7 +5891,7 @@
           </a:ln>
           <a:extLst>
             <a:ext uri="{C572A759-6A51-4108-AA02-DFA0A04FC94B}">
-              <ma14:wrappingTextBoxFlag xmlns:ma14="http://schemas.microsoft.com/office/mac/drawingml/2011/main" xmlns:a14="http://schemas.microsoft.com/office/drawing/2010/main" xmlns:m="http://schemas.openxmlformats.org/officeDocument/2006/math" xmlns="" val="1"/>
+              <ma14:wrappingTextBoxFlag xmlns="" xmlns:m="http://schemas.openxmlformats.org/officeDocument/2006/math" xmlns:a14="http://schemas.microsoft.com/office/drawing/2010/main" xmlns:ma14="http://schemas.microsoft.com/office/mac/drawingml/2011/main" val="1"/>
             </a:ext>
           </a:extLst>
         </p:spPr>
@@ -6948,7 +6953,9 @@
           </a:prstGeom>
         </p:spPr>
         <p:txBody>
-          <a:bodyPr/>
+          <a:bodyPr>
+            <a:normAutofit lnSpcReduction="10000"/>
+          </a:bodyPr>
           <a:lstStyle/>
           <a:p>
             <a:pPr marL="0" indent="0" defTabSz="649223">
@@ -7951,35 +7958,42 @@
           </a:p>
         </p:txBody>
       </p:sp>
-      <p:sp>
-        <p:nvSpPr>
-          <p:cNvPr id="133" name="Content Placeholder 2"/>
-          <p:cNvSpPr txBox="1">
-            <a:spLocks noGrp="1"/>
-          </p:cNvSpPr>
-          <p:nvPr>
-            <p:ph type="body" idx="1"/>
-          </p:nvPr>
-        </p:nvSpPr>
+      <p:pic>
+        <p:nvPicPr>
+          <p:cNvPr id="5" name="Picture 4">
+            <a:extLst>
+              <a:ext uri="{FF2B5EF4-FFF2-40B4-BE49-F238E27FC236}">
+                <a16:creationId xmlns:a16="http://schemas.microsoft.com/office/drawing/2014/main" id="{ED92BA49-15A2-BF4E-AC0B-AA7DC92A49B0}"/>
+              </a:ext>
+            </a:extLst>
+          </p:cNvPr>
+          <p:cNvPicPr>
+            <a:picLocks noChangeAspect="1"/>
+          </p:cNvPicPr>
+          <p:nvPr/>
+        </p:nvPicPr>
+        <p:blipFill>
+          <a:blip r:embed="rId2">
+            <a:extLst>
+              <a:ext uri="{28A0092B-C50C-407E-A947-70E740481C1C}">
+                <a14:useLocalDpi xmlns:a14="http://schemas.microsoft.com/office/drawing/2010/main" val="0"/>
+              </a:ext>
+            </a:extLst>
+          </a:blip>
+          <a:stretch>
+            <a:fillRect/>
+          </a:stretch>
+        </p:blipFill>
         <p:spPr>
           <a:xfrm>
-            <a:off x="1251677" y="2286000"/>
-            <a:ext cx="10178324" cy="3593593"/>
+            <a:off x="1251677" y="1195372"/>
+            <a:ext cx="9956800" cy="5154627"/>
           </a:xfrm>
           <a:prstGeom prst="rect">
             <a:avLst/>
           </a:prstGeom>
         </p:spPr>
-        <p:txBody>
-          <a:bodyPr/>
-          <a:lstStyle/>
-          <a:p>
-            <a:r>
-              <a:t>(Insert an up to date gant chart)</a:t>
-            </a:r>
-          </a:p>
-        </p:txBody>
-      </p:sp>
+      </p:pic>
     </p:spTree>
   </p:cSld>
   <p:clrMapOvr>
@@ -8497,7 +8511,9 @@
           </a:prstGeom>
         </p:spPr>
         <p:txBody>
-          <a:bodyPr/>
+          <a:bodyPr>
+            <a:normAutofit lnSpcReduction="10000"/>
+          </a:bodyPr>
           <a:lstStyle/>
           <a:p>
             <a:pPr marL="0" indent="0" defTabSz="457200">
